--- a/실무회의 및 단장미팅 발표자료/251030 사업단장 미팅자료 - 진명.pptx
+++ b/실무회의 및 단장미팅 발표자료/251030 사업단장 미팅자료 - 진명.pptx
@@ -3742,10 +3742,10 @@
       </p:grpSpPr>
       <p:pic>
         <p:nvPicPr>
-          <p:cNvPr id="9" name="그림 8">
+          <p:cNvPr id="4" name="그림 3">
             <a:extLst>
               <a:ext uri="{FF2B5EF4-FFF2-40B4-BE49-F238E27FC236}">
-                <a16:creationId xmlns:a16="http://schemas.microsoft.com/office/drawing/2014/main" id="{AC87280D-38E9-34CC-B9C0-EE6210892A8F}"/>
+                <a16:creationId xmlns:a16="http://schemas.microsoft.com/office/drawing/2014/main" id="{986A8731-70A6-1139-879E-B5D1F24A2105}"/>
               </a:ext>
             </a:extLst>
           </p:cNvPr>

--- a/실무회의 및 단장미팅 발표자료/251030 사업단장 미팅자료 - 진명.pptx
+++ b/실무회의 및 단장미팅 발표자료/251030 사업단장 미팅자료 - 진명.pptx
@@ -699,7 +699,7 @@
             <a:fld id="{3CD2ACDA-7BB5-4D83-9D1E-40BA6ED2D672}" type="datetimeFigureOut">
               <a:rPr lang="ko-KR" altLang="en-US" smtClean="0"/>
               <a:pPr/>
-              <a:t>2025-10-29</a:t>
+              <a:t>2025-10-30</a:t>
             </a:fld>
             <a:endParaRPr lang="ko-KR" altLang="en-US"/>
           </a:p>
@@ -866,7 +866,7 @@
             <a:fld id="{1932AF9E-6075-47ED-A5F2-B86042DA2162}" type="datetimeFigureOut">
               <a:rPr lang="ko-KR" altLang="en-US" smtClean="0"/>
               <a:pPr/>
-              <a:t>2025-10-29</a:t>
+              <a:t>2025-10-30</a:t>
             </a:fld>
             <a:endParaRPr lang="ko-KR" altLang="en-US"/>
           </a:p>
@@ -3742,10 +3742,10 @@
       </p:grpSpPr>
       <p:pic>
         <p:nvPicPr>
-          <p:cNvPr id="4" name="그림 3">
+          <p:cNvPr id="9" name="그림 8">
             <a:extLst>
               <a:ext uri="{FF2B5EF4-FFF2-40B4-BE49-F238E27FC236}">
-                <a16:creationId xmlns:a16="http://schemas.microsoft.com/office/drawing/2014/main" id="{986A8731-70A6-1139-879E-B5D1F24A2105}"/>
+                <a16:creationId xmlns:a16="http://schemas.microsoft.com/office/drawing/2014/main" id="{31A9A984-6A7C-9603-AFC9-F20EE2D07377}"/>
               </a:ext>
             </a:extLst>
           </p:cNvPr>
@@ -3762,8 +3762,8 @@
         </p:blipFill>
         <p:spPr>
           <a:xfrm>
-            <a:off x="0" y="168433"/>
-            <a:ext cx="9906000" cy="4852047"/>
+            <a:off x="0" y="170572"/>
+            <a:ext cx="9906000" cy="5028715"/>
           </a:xfrm>
           <a:prstGeom prst="rect">
             <a:avLst/>
@@ -4299,7 +4299,7 @@
         </p:nvSpPr>
         <p:spPr bwMode="auto">
           <a:xfrm>
-            <a:off x="6846570" y="2640177"/>
+            <a:off x="6846570" y="2721351"/>
             <a:ext cx="217348" cy="217492"/>
           </a:xfrm>
           <a:prstGeom prst="arc">
@@ -4374,7 +4374,7 @@
         </p:nvSpPr>
         <p:spPr bwMode="auto">
           <a:xfrm>
-            <a:off x="6846570" y="2640177"/>
+            <a:off x="6846570" y="2721351"/>
             <a:ext cx="217348" cy="217492"/>
           </a:xfrm>
           <a:prstGeom prst="arc">
@@ -4447,7 +4447,7 @@
         </p:nvSpPr>
         <p:spPr bwMode="auto">
           <a:xfrm>
-            <a:off x="6840220" y="3217858"/>
+            <a:off x="6840220" y="3374612"/>
             <a:ext cx="217348" cy="217492"/>
           </a:xfrm>
           <a:prstGeom prst="arc">
@@ -4522,7 +4522,7 @@
         </p:nvSpPr>
         <p:spPr bwMode="auto">
           <a:xfrm>
-            <a:off x="6840220" y="3649372"/>
+            <a:off x="6840220" y="3806126"/>
             <a:ext cx="217348" cy="217492"/>
           </a:xfrm>
           <a:prstGeom prst="arc">
@@ -4597,7 +4597,7 @@
         </p:nvSpPr>
         <p:spPr bwMode="auto">
           <a:xfrm>
-            <a:off x="5873750" y="2640177"/>
+            <a:off x="5873750" y="2721351"/>
             <a:ext cx="217348" cy="217492"/>
           </a:xfrm>
           <a:prstGeom prst="arc">
@@ -4670,7 +4670,7 @@
         </p:nvSpPr>
         <p:spPr bwMode="auto">
           <a:xfrm>
-            <a:off x="5867400" y="3217858"/>
+            <a:off x="5867400" y="3374612"/>
             <a:ext cx="217348" cy="217492"/>
           </a:xfrm>
           <a:prstGeom prst="arc">
@@ -4743,7 +4743,7 @@
         </p:nvSpPr>
         <p:spPr bwMode="auto">
           <a:xfrm>
-            <a:off x="5867400" y="3649372"/>
+            <a:off x="5867400" y="3806126"/>
             <a:ext cx="217348" cy="217492"/>
           </a:xfrm>
           <a:prstGeom prst="arc">
@@ -4816,7 +4816,7 @@
         </p:nvSpPr>
         <p:spPr bwMode="auto">
           <a:xfrm>
-            <a:off x="6840220" y="4053199"/>
+            <a:off x="6840220" y="4209953"/>
             <a:ext cx="217348" cy="217492"/>
           </a:xfrm>
           <a:prstGeom prst="arc">
@@ -4891,7 +4891,7 @@
         </p:nvSpPr>
         <p:spPr bwMode="auto">
           <a:xfrm>
-            <a:off x="5867400" y="4053199"/>
+            <a:off x="5867400" y="4209953"/>
             <a:ext cx="217348" cy="217492"/>
           </a:xfrm>
           <a:prstGeom prst="arc">
@@ -4964,7 +4964,7 @@
         </p:nvSpPr>
         <p:spPr bwMode="auto">
           <a:xfrm>
-            <a:off x="6840220" y="4053199"/>
+            <a:off x="6840220" y="4209953"/>
             <a:ext cx="217348" cy="217492"/>
           </a:xfrm>
           <a:prstGeom prst="arc">
@@ -5288,7 +5288,7 @@
         </p:nvSpPr>
         <p:spPr bwMode="auto">
           <a:xfrm>
-            <a:off x="6840220" y="4493731"/>
+            <a:off x="6840220" y="4650485"/>
             <a:ext cx="217348" cy="217492"/>
           </a:xfrm>
           <a:prstGeom prst="arc">
@@ -5363,7 +5363,7 @@
         </p:nvSpPr>
         <p:spPr bwMode="auto">
           <a:xfrm>
-            <a:off x="5867400" y="4493731"/>
+            <a:off x="5867400" y="4650485"/>
             <a:ext cx="217348" cy="217492"/>
           </a:xfrm>
           <a:prstGeom prst="arc">
@@ -5436,7 +5436,7 @@
         </p:nvSpPr>
         <p:spPr bwMode="auto">
           <a:xfrm>
-            <a:off x="6840220" y="4493731"/>
+            <a:off x="6840220" y="4650485"/>
             <a:ext cx="217348" cy="217492"/>
           </a:xfrm>
           <a:prstGeom prst="arc">
@@ -5509,7 +5509,7 @@
         </p:nvSpPr>
         <p:spPr bwMode="auto">
           <a:xfrm>
-            <a:off x="6846570" y="3649372"/>
+            <a:off x="6846570" y="3806126"/>
             <a:ext cx="217348" cy="217492"/>
           </a:xfrm>
           <a:prstGeom prst="arc">
@@ -5582,7 +5582,7 @@
         </p:nvSpPr>
         <p:spPr bwMode="auto">
           <a:xfrm>
-            <a:off x="5873750" y="3217858"/>
+            <a:off x="5873750" y="3374612"/>
             <a:ext cx="217348" cy="217492"/>
           </a:xfrm>
           <a:prstGeom prst="arc">
@@ -5655,7 +5655,7 @@
         </p:nvSpPr>
         <p:spPr bwMode="auto">
           <a:xfrm>
-            <a:off x="6840220" y="3217858"/>
+            <a:off x="6840220" y="3374612"/>
             <a:ext cx="217348" cy="217492"/>
           </a:xfrm>
           <a:prstGeom prst="arc">
